--- a/test/figures/read_mapping/read_mapping.pptx
+++ b/test/figures/read_mapping/read_mapping.pptx
@@ -199,7 +199,7 @@
           <a:p>
             <a:fld id="{52D9FB99-33AF-45C7-9798-F9BB105B9B87}" type="datetimeFigureOut">
               <a:rPr lang="en-US" smtClean="0"/>
-              <a:t>10/31/22</a:t>
+              <a:t>11/4/22</a:t>
             </a:fld>
             <a:endParaRPr lang="en-US"/>
           </a:p>
@@ -515,6 +515,10 @@
           <a:bodyPr/>
           <a:lstStyle/>
           <a:p>
+            <a:r>
+              <a:rPr lang="en-US" dirty="0" err="1"/>
+              <a:t>read_mapping.pdf</a:t>
+            </a:r>
             <a:endParaRPr lang="en-US" dirty="0"/>
           </a:p>
         </p:txBody>
@@ -604,6 +608,30 @@
           <a:bodyPr/>
           <a:lstStyle/>
           <a:p>
+            <a:pPr marL="0" marR="0" lvl="0" indent="0" algn="l" defTabSz="914400" rtl="0" eaLnBrk="1" fontAlgn="auto" latinLnBrk="0" hangingPunct="1">
+              <a:lnSpc>
+                <a:spcPct val="100000"/>
+              </a:lnSpc>
+              <a:spcBef>
+                <a:spcPts val="0"/>
+              </a:spcBef>
+              <a:spcAft>
+                <a:spcPts val="0"/>
+              </a:spcAft>
+              <a:buClrTx/>
+              <a:buSzTx/>
+              <a:buFontTx/>
+              <a:buNone/>
+              <a:tabLst/>
+              <a:defRPr/>
+            </a:pPr>
+            <a:r>
+              <a:rPr lang="en-US" dirty="0" err="1"/>
+              <a:t>read_mapping_blend.pdf</a:t>
+            </a:r>
+            <a:endParaRPr lang="en-US" dirty="0"/>
+          </a:p>
+          <a:p>
             <a:endParaRPr lang="en-US" dirty="0"/>
           </a:p>
         </p:txBody>
@@ -692,6 +720,30 @@
         <p:txBody>
           <a:bodyPr/>
           <a:lstStyle/>
+          <a:p>
+            <a:pPr marL="0" marR="0" lvl="0" indent="0" algn="l" defTabSz="914400" rtl="0" eaLnBrk="1" fontAlgn="auto" latinLnBrk="0" hangingPunct="1">
+              <a:lnSpc>
+                <a:spcPct val="100000"/>
+              </a:lnSpc>
+              <a:spcBef>
+                <a:spcPts val="0"/>
+              </a:spcBef>
+              <a:spcAft>
+                <a:spcPts val="0"/>
+              </a:spcAft>
+              <a:buClrTx/>
+              <a:buSzTx/>
+              <a:buFontTx/>
+              <a:buNone/>
+              <a:tabLst/>
+              <a:defRPr/>
+            </a:pPr>
+            <a:r>
+              <a:rPr lang="en-US" dirty="0" err="1"/>
+              <a:t>read_mapping_eq.pdf</a:t>
+            </a:r>
+            <a:endParaRPr lang="en-US" dirty="0"/>
+          </a:p>
           <a:p>
             <a:endParaRPr lang="en-US" dirty="0"/>
           </a:p>
@@ -864,7 +916,7 @@
           <a:p>
             <a:fld id="{E3A9BCBE-8A83-4E67-B3B6-D6A7A53377E1}" type="datetimeFigureOut">
               <a:rPr lang="en-US" smtClean="0"/>
-              <a:t>10/31/22</a:t>
+              <a:t>11/4/22</a:t>
             </a:fld>
             <a:endParaRPr lang="en-US"/>
           </a:p>
@@ -1034,7 +1086,7 @@
           <a:p>
             <a:fld id="{E3A9BCBE-8A83-4E67-B3B6-D6A7A53377E1}" type="datetimeFigureOut">
               <a:rPr lang="en-US" smtClean="0"/>
-              <a:t>10/31/22</a:t>
+              <a:t>11/4/22</a:t>
             </a:fld>
             <a:endParaRPr lang="en-US"/>
           </a:p>
@@ -1214,7 +1266,7 @@
           <a:p>
             <a:fld id="{E3A9BCBE-8A83-4E67-B3B6-D6A7A53377E1}" type="datetimeFigureOut">
               <a:rPr lang="en-US" smtClean="0"/>
-              <a:t>10/31/22</a:t>
+              <a:t>11/4/22</a:t>
             </a:fld>
             <a:endParaRPr lang="en-US"/>
           </a:p>
@@ -1384,7 +1436,7 @@
           <a:p>
             <a:fld id="{E3A9BCBE-8A83-4E67-B3B6-D6A7A53377E1}" type="datetimeFigureOut">
               <a:rPr lang="en-US" smtClean="0"/>
-              <a:t>10/31/22</a:t>
+              <a:t>11/4/22</a:t>
             </a:fld>
             <a:endParaRPr lang="en-US"/>
           </a:p>
@@ -1630,7 +1682,7 @@
           <a:p>
             <a:fld id="{E3A9BCBE-8A83-4E67-B3B6-D6A7A53377E1}" type="datetimeFigureOut">
               <a:rPr lang="en-US" smtClean="0"/>
-              <a:t>10/31/22</a:t>
+              <a:t>11/4/22</a:t>
             </a:fld>
             <a:endParaRPr lang="en-US"/>
           </a:p>
@@ -1862,7 +1914,7 @@
           <a:p>
             <a:fld id="{E3A9BCBE-8A83-4E67-B3B6-D6A7A53377E1}" type="datetimeFigureOut">
               <a:rPr lang="en-US" smtClean="0"/>
-              <a:t>10/31/22</a:t>
+              <a:t>11/4/22</a:t>
             </a:fld>
             <a:endParaRPr lang="en-US"/>
           </a:p>
@@ -2229,7 +2281,7 @@
           <a:p>
             <a:fld id="{E3A9BCBE-8A83-4E67-B3B6-D6A7A53377E1}" type="datetimeFigureOut">
               <a:rPr lang="en-US" smtClean="0"/>
-              <a:t>10/31/22</a:t>
+              <a:t>11/4/22</a:t>
             </a:fld>
             <a:endParaRPr lang="en-US"/>
           </a:p>
@@ -2347,7 +2399,7 @@
           <a:p>
             <a:fld id="{E3A9BCBE-8A83-4E67-B3B6-D6A7A53377E1}" type="datetimeFigureOut">
               <a:rPr lang="en-US" smtClean="0"/>
-              <a:t>10/31/22</a:t>
+              <a:t>11/4/22</a:t>
             </a:fld>
             <a:endParaRPr lang="en-US"/>
           </a:p>
@@ -2442,7 +2494,7 @@
           <a:p>
             <a:fld id="{E3A9BCBE-8A83-4E67-B3B6-D6A7A53377E1}" type="datetimeFigureOut">
               <a:rPr lang="en-US" smtClean="0"/>
-              <a:t>10/31/22</a:t>
+              <a:t>11/4/22</a:t>
             </a:fld>
             <a:endParaRPr lang="en-US"/>
           </a:p>
@@ -2719,7 +2771,7 @@
           <a:p>
             <a:fld id="{E3A9BCBE-8A83-4E67-B3B6-D6A7A53377E1}" type="datetimeFigureOut">
               <a:rPr lang="en-US" smtClean="0"/>
-              <a:t>10/31/22</a:t>
+              <a:t>11/4/22</a:t>
             </a:fld>
             <a:endParaRPr lang="en-US"/>
           </a:p>
@@ -2976,7 +3028,7 @@
           <a:p>
             <a:fld id="{E3A9BCBE-8A83-4E67-B3B6-D6A7A53377E1}" type="datetimeFigureOut">
               <a:rPr lang="en-US" smtClean="0"/>
-              <a:t>10/31/22</a:t>
+              <a:t>11/4/22</a:t>
             </a:fld>
             <a:endParaRPr lang="en-US"/>
           </a:p>
@@ -3189,7 +3241,7 @@
           <a:p>
             <a:fld id="{E3A9BCBE-8A83-4E67-B3B6-D6A7A53377E1}" type="datetimeFigureOut">
               <a:rPr lang="en-US" smtClean="0"/>
-              <a:t>10/31/22</a:t>
+              <a:t>11/4/22</a:t>
             </a:fld>
             <a:endParaRPr lang="en-US"/>
           </a:p>
@@ -4014,14 +4066,13 @@
               </a:ext>
             </a:extLst>
           </a:blip>
-          <a:stretch>
-            <a:fillRect/>
-          </a:stretch>
+          <a:srcRect/>
+          <a:stretch/>
         </p:blipFill>
         <p:spPr>
           <a:xfrm>
             <a:off x="2436989" y="511053"/>
-            <a:ext cx="13295522" cy="5113662"/>
+            <a:ext cx="13295521" cy="5113661"/>
           </a:xfrm>
           <a:prstGeom prst="rect">
             <a:avLst/>

--- a/test/figures/read_mapping/read_mapping.pptx
+++ b/test/figures/read_mapping/read_mapping.pptx
@@ -5,12 +5,11 @@
     <p:sldMasterId id="2147483660" r:id="rId1"/>
   </p:sldMasterIdLst>
   <p:notesMasterIdLst>
-    <p:notesMasterId r:id="rId5"/>
+    <p:notesMasterId r:id="rId4"/>
   </p:notesMasterIdLst>
   <p:sldIdLst>
     <p:sldId id="4627" r:id="rId2"/>
     <p:sldId id="4630" r:id="rId3"/>
-    <p:sldId id="4629" r:id="rId4"/>
   </p:sldIdLst>
   <p:sldSz cx="18592800" cy="6858000"/>
   <p:notesSz cx="6858000" cy="9144000"/>
@@ -199,7 +198,7 @@
           <a:p>
             <a:fld id="{52D9FB99-33AF-45C7-9798-F9BB105B9B87}" type="datetimeFigureOut">
               <a:rPr lang="en-US" smtClean="0"/>
-              <a:t>11/4/22</a:t>
+              <a:t>11/21/22</a:t>
             </a:fld>
             <a:endParaRPr lang="en-US"/>
           </a:p>
@@ -672,119 +671,6 @@
 </p:notes>
 </file>
 
-<file path=ppt/notesSlides/notesSlide3.xml><?xml version="1.0" encoding="utf-8"?>
-<p:notes xmlns:a="http://schemas.openxmlformats.org/drawingml/2006/main" xmlns:r="http://schemas.openxmlformats.org/officeDocument/2006/relationships" xmlns:p="http://schemas.openxmlformats.org/presentationml/2006/main">
-  <p:cSld>
-    <p:spTree>
-      <p:nvGrpSpPr>
-        <p:cNvPr id="1" name=""/>
-        <p:cNvGrpSpPr/>
-        <p:nvPr/>
-      </p:nvGrpSpPr>
-      <p:grpSpPr>
-        <a:xfrm>
-          <a:off x="0" y="0"/>
-          <a:ext cx="0" cy="0"/>
-          <a:chOff x="0" y="0"/>
-          <a:chExt cx="0" cy="0"/>
-        </a:xfrm>
-      </p:grpSpPr>
-      <p:sp>
-        <p:nvSpPr>
-          <p:cNvPr id="2" name="Slide Image Placeholder 1"/>
-          <p:cNvSpPr>
-            <a:spLocks noGrp="1" noRot="1" noChangeAspect="1"/>
-          </p:cNvSpPr>
-          <p:nvPr>
-            <p:ph type="sldImg"/>
-          </p:nvPr>
-        </p:nvSpPr>
-        <p:spPr>
-          <a:xfrm>
-            <a:off x="-754063" y="1143000"/>
-            <a:ext cx="8366126" cy="3086100"/>
-          </a:xfrm>
-        </p:spPr>
-      </p:sp>
-      <p:sp>
-        <p:nvSpPr>
-          <p:cNvPr id="3" name="Notes Placeholder 2"/>
-          <p:cNvSpPr>
-            <a:spLocks noGrp="1"/>
-          </p:cNvSpPr>
-          <p:nvPr>
-            <p:ph type="body" idx="1"/>
-          </p:nvPr>
-        </p:nvSpPr>
-        <p:spPr/>
-        <p:txBody>
-          <a:bodyPr/>
-          <a:lstStyle/>
-          <a:p>
-            <a:pPr marL="0" marR="0" lvl="0" indent="0" algn="l" defTabSz="914400" rtl="0" eaLnBrk="1" fontAlgn="auto" latinLnBrk="0" hangingPunct="1">
-              <a:lnSpc>
-                <a:spcPct val="100000"/>
-              </a:lnSpc>
-              <a:spcBef>
-                <a:spcPts val="0"/>
-              </a:spcBef>
-              <a:spcAft>
-                <a:spcPts val="0"/>
-              </a:spcAft>
-              <a:buClrTx/>
-              <a:buSzTx/>
-              <a:buFontTx/>
-              <a:buNone/>
-              <a:tabLst/>
-              <a:defRPr/>
-            </a:pPr>
-            <a:r>
-              <a:rPr lang="en-US" dirty="0" err="1"/>
-              <a:t>read_mapping_eq.pdf</a:t>
-            </a:r>
-            <a:endParaRPr lang="en-US" dirty="0"/>
-          </a:p>
-          <a:p>
-            <a:endParaRPr lang="en-US" dirty="0"/>
-          </a:p>
-        </p:txBody>
-      </p:sp>
-      <p:sp>
-        <p:nvSpPr>
-          <p:cNvPr id="4" name="Slide Number Placeholder 3"/>
-          <p:cNvSpPr>
-            <a:spLocks noGrp="1"/>
-          </p:cNvSpPr>
-          <p:nvPr>
-            <p:ph type="sldNum" sz="quarter" idx="5"/>
-          </p:nvPr>
-        </p:nvSpPr>
-        <p:spPr/>
-        <p:txBody>
-          <a:bodyPr/>
-          <a:lstStyle/>
-          <a:p>
-            <a:fld id="{FB8EC415-AB61-4AAF-95EC-A94D821E2AEB}" type="slidenum">
-              <a:rPr lang="en-US" smtClean="0"/>
-              <a:t>3</a:t>
-            </a:fld>
-            <a:endParaRPr lang="en-US"/>
-          </a:p>
-        </p:txBody>
-      </p:sp>
-    </p:spTree>
-    <p:extLst>
-      <p:ext uri="{BB962C8B-B14F-4D97-AF65-F5344CB8AC3E}">
-        <p14:creationId xmlns:p14="http://schemas.microsoft.com/office/powerpoint/2010/main" val="576631134"/>
-      </p:ext>
-    </p:extLst>
-  </p:cSld>
-  <p:clrMapOvr>
-    <a:masterClrMapping/>
-  </p:clrMapOvr>
-</p:notes>
-</file>
-
 <file path=ppt/slideLayouts/slideLayout1.xml><?xml version="1.0" encoding="utf-8"?>
 <p:sldLayout xmlns:a="http://schemas.openxmlformats.org/drawingml/2006/main" xmlns:r="http://schemas.openxmlformats.org/officeDocument/2006/relationships" xmlns:p="http://schemas.openxmlformats.org/presentationml/2006/main" type="title" preserve="1">
   <p:cSld name="Title Slide">
@@ -916,7 +802,7 @@
           <a:p>
             <a:fld id="{E3A9BCBE-8A83-4E67-B3B6-D6A7A53377E1}" type="datetimeFigureOut">
               <a:rPr lang="en-US" smtClean="0"/>
-              <a:t>11/4/22</a:t>
+              <a:t>11/21/22</a:t>
             </a:fld>
             <a:endParaRPr lang="en-US"/>
           </a:p>
@@ -1086,7 +972,7 @@
           <a:p>
             <a:fld id="{E3A9BCBE-8A83-4E67-B3B6-D6A7A53377E1}" type="datetimeFigureOut">
               <a:rPr lang="en-US" smtClean="0"/>
-              <a:t>11/4/22</a:t>
+              <a:t>11/21/22</a:t>
             </a:fld>
             <a:endParaRPr lang="en-US"/>
           </a:p>
@@ -1266,7 +1152,7 @@
           <a:p>
             <a:fld id="{E3A9BCBE-8A83-4E67-B3B6-D6A7A53377E1}" type="datetimeFigureOut">
               <a:rPr lang="en-US" smtClean="0"/>
-              <a:t>11/4/22</a:t>
+              <a:t>11/21/22</a:t>
             </a:fld>
             <a:endParaRPr lang="en-US"/>
           </a:p>
@@ -1436,7 +1322,7 @@
           <a:p>
             <a:fld id="{E3A9BCBE-8A83-4E67-B3B6-D6A7A53377E1}" type="datetimeFigureOut">
               <a:rPr lang="en-US" smtClean="0"/>
-              <a:t>11/4/22</a:t>
+              <a:t>11/21/22</a:t>
             </a:fld>
             <a:endParaRPr lang="en-US"/>
           </a:p>
@@ -1682,7 +1568,7 @@
           <a:p>
             <a:fld id="{E3A9BCBE-8A83-4E67-B3B6-D6A7A53377E1}" type="datetimeFigureOut">
               <a:rPr lang="en-US" smtClean="0"/>
-              <a:t>11/4/22</a:t>
+              <a:t>11/21/22</a:t>
             </a:fld>
             <a:endParaRPr lang="en-US"/>
           </a:p>
@@ -1914,7 +1800,7 @@
           <a:p>
             <a:fld id="{E3A9BCBE-8A83-4E67-B3B6-D6A7A53377E1}" type="datetimeFigureOut">
               <a:rPr lang="en-US" smtClean="0"/>
-              <a:t>11/4/22</a:t>
+              <a:t>11/21/22</a:t>
             </a:fld>
             <a:endParaRPr lang="en-US"/>
           </a:p>
@@ -2281,7 +2167,7 @@
           <a:p>
             <a:fld id="{E3A9BCBE-8A83-4E67-B3B6-D6A7A53377E1}" type="datetimeFigureOut">
               <a:rPr lang="en-US" smtClean="0"/>
-              <a:t>11/4/22</a:t>
+              <a:t>11/21/22</a:t>
             </a:fld>
             <a:endParaRPr lang="en-US"/>
           </a:p>
@@ -2399,7 +2285,7 @@
           <a:p>
             <a:fld id="{E3A9BCBE-8A83-4E67-B3B6-D6A7A53377E1}" type="datetimeFigureOut">
               <a:rPr lang="en-US" smtClean="0"/>
-              <a:t>11/4/22</a:t>
+              <a:t>11/21/22</a:t>
             </a:fld>
             <a:endParaRPr lang="en-US"/>
           </a:p>
@@ -2494,7 +2380,7 @@
           <a:p>
             <a:fld id="{E3A9BCBE-8A83-4E67-B3B6-D6A7A53377E1}" type="datetimeFigureOut">
               <a:rPr lang="en-US" smtClean="0"/>
-              <a:t>11/4/22</a:t>
+              <a:t>11/21/22</a:t>
             </a:fld>
             <a:endParaRPr lang="en-US"/>
           </a:p>
@@ -2771,7 +2657,7 @@
           <a:p>
             <a:fld id="{E3A9BCBE-8A83-4E67-B3B6-D6A7A53377E1}" type="datetimeFigureOut">
               <a:rPr lang="en-US" smtClean="0"/>
-              <a:t>11/4/22</a:t>
+              <a:t>11/21/22</a:t>
             </a:fld>
             <a:endParaRPr lang="en-US"/>
           </a:p>
@@ -3028,7 +2914,7 @@
           <a:p>
             <a:fld id="{E3A9BCBE-8A83-4E67-B3B6-D6A7A53377E1}" type="datetimeFigureOut">
               <a:rPr lang="en-US" smtClean="0"/>
-              <a:t>11/4/22</a:t>
+              <a:t>11/21/22</a:t>
             </a:fld>
             <a:endParaRPr lang="en-US"/>
           </a:p>
@@ -3241,7 +3127,7 @@
           <a:p>
             <a:fld id="{E3A9BCBE-8A83-4E67-B3B6-D6A7A53377E1}" type="datetimeFigureOut">
               <a:rPr lang="en-US" smtClean="0"/>
-              <a:t>11/4/22</a:t>
+              <a:t>11/21/22</a:t>
             </a:fld>
             <a:endParaRPr lang="en-US"/>
           </a:p>
@@ -6479,1129 +6365,6 @@
 </p:sld>
 </file>
 
-<file path=ppt/slides/slide3.xml><?xml version="1.0" encoding="utf-8"?>
-<p:sld xmlns:a="http://schemas.openxmlformats.org/drawingml/2006/main" xmlns:r="http://schemas.openxmlformats.org/officeDocument/2006/relationships" xmlns:p="http://schemas.openxmlformats.org/presentationml/2006/main">
-  <p:cSld>
-    <p:spTree>
-      <p:nvGrpSpPr>
-        <p:cNvPr id="1" name=""/>
-        <p:cNvGrpSpPr/>
-        <p:nvPr/>
-      </p:nvGrpSpPr>
-      <p:grpSpPr>
-        <a:xfrm>
-          <a:off x="0" y="0"/>
-          <a:ext cx="0" cy="0"/>
-          <a:chOff x="0" y="0"/>
-          <a:chExt cx="0" cy="0"/>
-        </a:xfrm>
-      </p:grpSpPr>
-      <p:sp>
-        <p:nvSpPr>
-          <p:cNvPr id="61" name="TextBox 60">
-            <a:extLst>
-              <a:ext uri="{FF2B5EF4-FFF2-40B4-BE49-F238E27FC236}">
-                <a16:creationId xmlns:a16="http://schemas.microsoft.com/office/drawing/2014/main" id="{0CED6964-C115-99BA-A170-DFB707D8BCEA}"/>
-              </a:ext>
-            </a:extLst>
-          </p:cNvPr>
-          <p:cNvSpPr txBox="1"/>
-          <p:nvPr/>
-        </p:nvSpPr>
-        <p:spPr>
-          <a:xfrm>
-            <a:off x="5255096" y="5579262"/>
-            <a:ext cx="952505" cy="646331"/>
-          </a:xfrm>
-          <a:prstGeom prst="rect">
-            <a:avLst/>
-          </a:prstGeom>
-          <a:noFill/>
-        </p:spPr>
-        <p:txBody>
-          <a:bodyPr wrap="none" rtlCol="0">
-            <a:spAutoFit/>
-          </a:bodyPr>
-          <a:lstStyle/>
-          <a:p>
-            <a:pPr algn="ctr"/>
-            <a:r>
-              <a:rPr lang="en-US" b="1" dirty="0">
-                <a:latin typeface="Cambria" panose="02040503050406030204" pitchFamily="18" charset="0"/>
-              </a:rPr>
-              <a:t>CHM13</a:t>
-            </a:r>
-          </a:p>
-          <a:p>
-            <a:pPr algn="ctr"/>
-            <a:r>
-              <a:rPr lang="en-US" b="1" dirty="0">
-                <a:latin typeface="Cambria" panose="02040503050406030204" pitchFamily="18" charset="0"/>
-              </a:rPr>
-              <a:t>(HiFi)</a:t>
-            </a:r>
-          </a:p>
-        </p:txBody>
-      </p:sp>
-      <p:sp>
-        <p:nvSpPr>
-          <p:cNvPr id="62" name="TextBox 61">
-            <a:extLst>
-              <a:ext uri="{FF2B5EF4-FFF2-40B4-BE49-F238E27FC236}">
-                <a16:creationId xmlns:a16="http://schemas.microsoft.com/office/drawing/2014/main" id="{96CAF229-2FF7-7E51-42EE-3E688EA0A7C5}"/>
-              </a:ext>
-            </a:extLst>
-          </p:cNvPr>
-          <p:cNvSpPr txBox="1"/>
-          <p:nvPr/>
-        </p:nvSpPr>
-        <p:spPr>
-          <a:xfrm>
-            <a:off x="6956048" y="5579262"/>
-            <a:ext cx="909223" cy="646331"/>
-          </a:xfrm>
-          <a:prstGeom prst="rect">
-            <a:avLst/>
-          </a:prstGeom>
-          <a:noFill/>
-        </p:spPr>
-        <p:txBody>
-          <a:bodyPr wrap="none" rtlCol="0">
-            <a:spAutoFit/>
-          </a:bodyPr>
-          <a:lstStyle/>
-          <a:p>
-            <a:pPr algn="ctr"/>
-            <a:r>
-              <a:rPr lang="en-US" b="1" dirty="0">
-                <a:latin typeface="Cambria" panose="02040503050406030204" pitchFamily="18" charset="0"/>
-              </a:rPr>
-              <a:t>HG002</a:t>
-            </a:r>
-          </a:p>
-          <a:p>
-            <a:pPr algn="ctr"/>
-            <a:r>
-              <a:rPr lang="en-US" b="1" dirty="0">
-                <a:latin typeface="Cambria" panose="02040503050406030204" pitchFamily="18" charset="0"/>
-              </a:rPr>
-              <a:t>(HiFi)</a:t>
-            </a:r>
-          </a:p>
-        </p:txBody>
-      </p:sp>
-      <p:grpSp>
-        <p:nvGrpSpPr>
-          <p:cNvPr id="7" name="Group 6">
-            <a:extLst>
-              <a:ext uri="{FF2B5EF4-FFF2-40B4-BE49-F238E27FC236}">
-                <a16:creationId xmlns:a16="http://schemas.microsoft.com/office/drawing/2014/main" id="{BC087A90-F635-C28A-56DF-69D01AA04E90}"/>
-              </a:ext>
-            </a:extLst>
-          </p:cNvPr>
-          <p:cNvGrpSpPr/>
-          <p:nvPr/>
-        </p:nvGrpSpPr>
-        <p:grpSpPr>
-          <a:xfrm>
-            <a:off x="6459654" y="140921"/>
-            <a:ext cx="5250190" cy="369332"/>
-            <a:chOff x="6709431" y="140921"/>
-            <a:chExt cx="5250190" cy="369332"/>
-          </a:xfrm>
-        </p:grpSpPr>
-        <p:grpSp>
-          <p:nvGrpSpPr>
-            <p:cNvPr id="10" name="Group 9">
-              <a:extLst>
-                <a:ext uri="{FF2B5EF4-FFF2-40B4-BE49-F238E27FC236}">
-                  <a16:creationId xmlns:a16="http://schemas.microsoft.com/office/drawing/2014/main" id="{1B18BAA7-6E07-67AB-FDBA-99940044F8CB}"/>
-                </a:ext>
-              </a:extLst>
-            </p:cNvPr>
-            <p:cNvGrpSpPr/>
-            <p:nvPr/>
-          </p:nvGrpSpPr>
-          <p:grpSpPr>
-            <a:xfrm>
-              <a:off x="10206247" y="140921"/>
-              <a:ext cx="1753374" cy="369332"/>
-              <a:chOff x="7143202" y="248652"/>
-              <a:chExt cx="1753374" cy="369332"/>
-            </a:xfrm>
-          </p:grpSpPr>
-          <p:sp>
-            <p:nvSpPr>
-              <p:cNvPr id="87" name="Rectangle 86">
-                <a:extLst>
-                  <a:ext uri="{FF2B5EF4-FFF2-40B4-BE49-F238E27FC236}">
-                    <a16:creationId xmlns:a16="http://schemas.microsoft.com/office/drawing/2014/main" id="{3DE01C1F-4C2B-25C6-8CDF-8F62E78B0475}"/>
-                  </a:ext>
-                </a:extLst>
-              </p:cNvPr>
-              <p:cNvSpPr/>
-              <p:nvPr/>
-            </p:nvSpPr>
-            <p:spPr>
-              <a:xfrm>
-                <a:off x="7143202" y="336163"/>
-                <a:ext cx="217170" cy="194310"/>
-              </a:xfrm>
-              <a:prstGeom prst="rect">
-                <a:avLst/>
-              </a:prstGeom>
-              <a:solidFill>
-                <a:srgbClr val="5FA137"/>
-              </a:solidFill>
-            </p:spPr>
-            <p:style>
-              <a:lnRef idx="2">
-                <a:schemeClr val="accent1">
-                  <a:shade val="50000"/>
-                </a:schemeClr>
-              </a:lnRef>
-              <a:fillRef idx="1">
-                <a:schemeClr val="accent1"/>
-              </a:fillRef>
-              <a:effectRef idx="0">
-                <a:schemeClr val="accent1"/>
-              </a:effectRef>
-              <a:fontRef idx="minor">
-                <a:schemeClr val="lt1"/>
-              </a:fontRef>
-            </p:style>
-            <p:txBody>
-              <a:bodyPr rtlCol="0" anchor="ctr"/>
-              <a:lstStyle/>
-              <a:p>
-                <a:pPr algn="ctr"/>
-                <a:endParaRPr lang="en-US">
-                  <a:latin typeface="Cambria" panose="02040503050406030204" pitchFamily="18" charset="0"/>
-                </a:endParaRPr>
-              </a:p>
-            </p:txBody>
-          </p:sp>
-          <p:sp>
-            <p:nvSpPr>
-              <p:cNvPr id="88" name="TextBox 87">
-                <a:extLst>
-                  <a:ext uri="{FF2B5EF4-FFF2-40B4-BE49-F238E27FC236}">
-                    <a16:creationId xmlns:a16="http://schemas.microsoft.com/office/drawing/2014/main" id="{F78ACD90-FFD3-F1F2-AA98-F7DF723B6D08}"/>
-                  </a:ext>
-                </a:extLst>
-              </p:cNvPr>
-              <p:cNvSpPr txBox="1"/>
-              <p:nvPr/>
-            </p:nvSpPr>
-            <p:spPr>
-              <a:xfrm>
-                <a:off x="7366542" y="248652"/>
-                <a:ext cx="1530034" cy="369332"/>
-              </a:xfrm>
-              <a:prstGeom prst="rect">
-                <a:avLst/>
-              </a:prstGeom>
-              <a:noFill/>
-            </p:spPr>
-            <p:txBody>
-              <a:bodyPr wrap="none" rtlCol="0">
-                <a:spAutoFit/>
-              </a:bodyPr>
-              <a:lstStyle/>
-              <a:p>
-                <a:pPr algn="ctr"/>
-                <a:r>
-                  <a:rPr lang="en-US" dirty="0">
-                    <a:latin typeface="Cambria" panose="02040503050406030204" pitchFamily="18" charset="0"/>
-                  </a:rPr>
-                  <a:t>minimap2-Eq</a:t>
-                </a:r>
-              </a:p>
-            </p:txBody>
-          </p:sp>
-        </p:grpSp>
-        <p:grpSp>
-          <p:nvGrpSpPr>
-            <p:cNvPr id="9" name="Group 8">
-              <a:extLst>
-                <a:ext uri="{FF2B5EF4-FFF2-40B4-BE49-F238E27FC236}">
-                  <a16:creationId xmlns:a16="http://schemas.microsoft.com/office/drawing/2014/main" id="{E5C0213A-9927-9193-B570-36AC5BFAF3FA}"/>
-                </a:ext>
-              </a:extLst>
-            </p:cNvPr>
-            <p:cNvGrpSpPr/>
-            <p:nvPr/>
-          </p:nvGrpSpPr>
-          <p:grpSpPr>
-            <a:xfrm>
-              <a:off x="8382656" y="140921"/>
-              <a:ext cx="1420193" cy="369332"/>
-              <a:chOff x="5657014" y="248652"/>
-              <a:chExt cx="1420193" cy="369332"/>
-            </a:xfrm>
-          </p:grpSpPr>
-          <p:sp>
-            <p:nvSpPr>
-              <p:cNvPr id="84" name="Rectangle 83">
-                <a:extLst>
-                  <a:ext uri="{FF2B5EF4-FFF2-40B4-BE49-F238E27FC236}">
-                    <a16:creationId xmlns:a16="http://schemas.microsoft.com/office/drawing/2014/main" id="{0BC8231F-A144-36F7-C946-047FE1BBE111}"/>
-                  </a:ext>
-                </a:extLst>
-              </p:cNvPr>
-              <p:cNvSpPr/>
-              <p:nvPr/>
-            </p:nvSpPr>
-            <p:spPr>
-              <a:xfrm>
-                <a:off x="5657014" y="336163"/>
-                <a:ext cx="217170" cy="194310"/>
-              </a:xfrm>
-              <a:prstGeom prst="rect">
-                <a:avLst/>
-              </a:prstGeom>
-              <a:solidFill>
-                <a:srgbClr val="F0C141"/>
-              </a:solidFill>
-            </p:spPr>
-            <p:style>
-              <a:lnRef idx="2">
-                <a:schemeClr val="accent1">
-                  <a:shade val="50000"/>
-                </a:schemeClr>
-              </a:lnRef>
-              <a:fillRef idx="1">
-                <a:schemeClr val="accent1"/>
-              </a:fillRef>
-              <a:effectRef idx="0">
-                <a:schemeClr val="accent1"/>
-              </a:effectRef>
-              <a:fontRef idx="minor">
-                <a:schemeClr val="lt1"/>
-              </a:fontRef>
-            </p:style>
-            <p:txBody>
-              <a:bodyPr rtlCol="0" anchor="ctr"/>
-              <a:lstStyle/>
-              <a:p>
-                <a:pPr algn="ctr"/>
-                <a:endParaRPr lang="en-US">
-                  <a:latin typeface="Cambria" panose="02040503050406030204" pitchFamily="18" charset="0"/>
-                </a:endParaRPr>
-              </a:p>
-            </p:txBody>
-          </p:sp>
-          <p:sp>
-            <p:nvSpPr>
-              <p:cNvPr id="86" name="TextBox 85">
-                <a:extLst>
-                  <a:ext uri="{FF2B5EF4-FFF2-40B4-BE49-F238E27FC236}">
-                    <a16:creationId xmlns:a16="http://schemas.microsoft.com/office/drawing/2014/main" id="{C543184E-543F-DBF0-3B6E-385D3E55EC9B}"/>
-                  </a:ext>
-                </a:extLst>
-              </p:cNvPr>
-              <p:cNvSpPr txBox="1"/>
-              <p:nvPr/>
-            </p:nvSpPr>
-            <p:spPr>
-              <a:xfrm>
-                <a:off x="5882648" y="248652"/>
-                <a:ext cx="1194559" cy="369332"/>
-              </a:xfrm>
-              <a:prstGeom prst="rect">
-                <a:avLst/>
-              </a:prstGeom>
-              <a:noFill/>
-            </p:spPr>
-            <p:txBody>
-              <a:bodyPr wrap="none" rtlCol="0">
-                <a:spAutoFit/>
-              </a:bodyPr>
-              <a:lstStyle/>
-              <a:p>
-                <a:pPr algn="ctr"/>
-                <a:r>
-                  <a:rPr lang="en-US" dirty="0">
-                    <a:latin typeface="Cambria" panose="02040503050406030204" pitchFamily="18" charset="0"/>
-                  </a:rPr>
-                  <a:t>minimap2</a:t>
-                </a:r>
-              </a:p>
-            </p:txBody>
-          </p:sp>
-        </p:grpSp>
-        <p:grpSp>
-          <p:nvGrpSpPr>
-            <p:cNvPr id="8" name="Group 7">
-              <a:extLst>
-                <a:ext uri="{FF2B5EF4-FFF2-40B4-BE49-F238E27FC236}">
-                  <a16:creationId xmlns:a16="http://schemas.microsoft.com/office/drawing/2014/main" id="{4BAD3F6A-F509-83E6-2991-8DEE6713CA78}"/>
-                </a:ext>
-              </a:extLst>
-            </p:cNvPr>
-            <p:cNvGrpSpPr/>
-            <p:nvPr/>
-          </p:nvGrpSpPr>
-          <p:grpSpPr>
-            <a:xfrm>
-              <a:off x="6709431" y="140921"/>
-              <a:ext cx="1269826" cy="369332"/>
-              <a:chOff x="3780870" y="248652"/>
-              <a:chExt cx="1269826" cy="369332"/>
-            </a:xfrm>
-          </p:grpSpPr>
-          <p:sp>
-            <p:nvSpPr>
-              <p:cNvPr id="82" name="Rectangle 81">
-                <a:extLst>
-                  <a:ext uri="{FF2B5EF4-FFF2-40B4-BE49-F238E27FC236}">
-                    <a16:creationId xmlns:a16="http://schemas.microsoft.com/office/drawing/2014/main" id="{FD3CF857-F05E-1745-C00B-A9EAB23F2DA3}"/>
-                  </a:ext>
-                </a:extLst>
-              </p:cNvPr>
-              <p:cNvSpPr/>
-              <p:nvPr/>
-            </p:nvSpPr>
-            <p:spPr>
-              <a:xfrm>
-                <a:off x="3780870" y="336163"/>
-                <a:ext cx="217170" cy="194310"/>
-              </a:xfrm>
-              <a:prstGeom prst="rect">
-                <a:avLst/>
-              </a:prstGeom>
-              <a:solidFill>
-                <a:srgbClr val="4A72BC"/>
-              </a:solidFill>
-            </p:spPr>
-            <p:style>
-              <a:lnRef idx="2">
-                <a:schemeClr val="accent1">
-                  <a:shade val="50000"/>
-                </a:schemeClr>
-              </a:lnRef>
-              <a:fillRef idx="1">
-                <a:schemeClr val="accent1"/>
-              </a:fillRef>
-              <a:effectRef idx="0">
-                <a:schemeClr val="accent1"/>
-              </a:effectRef>
-              <a:fontRef idx="minor">
-                <a:schemeClr val="lt1"/>
-              </a:fontRef>
-            </p:style>
-            <p:txBody>
-              <a:bodyPr rtlCol="0" anchor="ctr"/>
-              <a:lstStyle/>
-              <a:p>
-                <a:pPr algn="ctr"/>
-                <a:endParaRPr lang="en-US" dirty="0">
-                  <a:latin typeface="Cambria" panose="02040503050406030204" pitchFamily="18" charset="0"/>
-                </a:endParaRPr>
-              </a:p>
-            </p:txBody>
-          </p:sp>
-          <p:sp>
-            <p:nvSpPr>
-              <p:cNvPr id="83" name="TextBox 82">
-                <a:extLst>
-                  <a:ext uri="{FF2B5EF4-FFF2-40B4-BE49-F238E27FC236}">
-                    <a16:creationId xmlns:a16="http://schemas.microsoft.com/office/drawing/2014/main" id="{4F007CFC-AA25-432F-4AE1-4434ACA1316E}"/>
-                  </a:ext>
-                </a:extLst>
-              </p:cNvPr>
-              <p:cNvSpPr txBox="1"/>
-              <p:nvPr/>
-            </p:nvSpPr>
-            <p:spPr>
-              <a:xfrm>
-                <a:off x="4006819" y="248652"/>
-                <a:ext cx="1043877" cy="369332"/>
-              </a:xfrm>
-              <a:prstGeom prst="rect">
-                <a:avLst/>
-              </a:prstGeom>
-              <a:noFill/>
-            </p:spPr>
-            <p:txBody>
-              <a:bodyPr wrap="none" rtlCol="0">
-                <a:spAutoFit/>
-              </a:bodyPr>
-              <a:lstStyle/>
-              <a:p>
-                <a:pPr algn="ctr"/>
-                <a:r>
-                  <a:rPr lang="en-US" dirty="0">
-                    <a:latin typeface="Cambria" panose="02040503050406030204" pitchFamily="18" charset="0"/>
-                  </a:rPr>
-                  <a:t>BLEND-I</a:t>
-                </a:r>
-              </a:p>
-            </p:txBody>
-          </p:sp>
-        </p:grpSp>
-      </p:grpSp>
-      <p:pic>
-        <p:nvPicPr>
-          <p:cNvPr id="4" name="Picture 3">
-            <a:extLst>
-              <a:ext uri="{FF2B5EF4-FFF2-40B4-BE49-F238E27FC236}">
-                <a16:creationId xmlns:a16="http://schemas.microsoft.com/office/drawing/2014/main" id="{88939230-78B8-4AC8-5061-BFB674AAF54B}"/>
-              </a:ext>
-            </a:extLst>
-          </p:cNvPr>
-          <p:cNvPicPr>
-            <a:picLocks noChangeAspect="1"/>
-          </p:cNvPicPr>
-          <p:nvPr/>
-        </p:nvPicPr>
-        <p:blipFill>
-          <a:blip r:embed="rId3">
-            <a:extLst>
-              <a:ext uri="{28A0092B-C50C-407E-A947-70E740481C1C}">
-                <a14:useLocalDpi xmlns:a14="http://schemas.microsoft.com/office/drawing/2010/main" val="0"/>
-              </a:ext>
-            </a:extLst>
-          </a:blip>
-          <a:srcRect/>
-          <a:stretch/>
-        </p:blipFill>
-        <p:spPr>
-          <a:xfrm>
-            <a:off x="4993820" y="511053"/>
-            <a:ext cx="8181859" cy="5113662"/>
-          </a:xfrm>
-          <a:prstGeom prst="rect">
-            <a:avLst/>
-          </a:prstGeom>
-        </p:spPr>
-      </p:pic>
-      <p:sp>
-        <p:nvSpPr>
-          <p:cNvPr id="18" name="TextBox 17">
-            <a:extLst>
-              <a:ext uri="{FF2B5EF4-FFF2-40B4-BE49-F238E27FC236}">
-                <a16:creationId xmlns:a16="http://schemas.microsoft.com/office/drawing/2014/main" id="{27D0DFC1-079C-D227-33BF-A2ACDD264B77}"/>
-              </a:ext>
-            </a:extLst>
-          </p:cNvPr>
-          <p:cNvSpPr txBox="1"/>
-          <p:nvPr/>
-        </p:nvSpPr>
-        <p:spPr>
-          <a:xfrm>
-            <a:off x="8306330" y="5579262"/>
-            <a:ext cx="1551194" cy="646331"/>
-          </a:xfrm>
-          <a:prstGeom prst="rect">
-            <a:avLst/>
-          </a:prstGeom>
-          <a:noFill/>
-        </p:spPr>
-        <p:txBody>
-          <a:bodyPr wrap="none" rtlCol="0">
-            <a:spAutoFit/>
-          </a:bodyPr>
-          <a:lstStyle/>
-          <a:p>
-            <a:pPr algn="ctr"/>
-            <a:r>
-              <a:rPr lang="en-US" b="1" dirty="0">
-                <a:latin typeface="Cambria" panose="02040503050406030204" pitchFamily="18" charset="0"/>
-              </a:rPr>
-              <a:t>D. </a:t>
-            </a:r>
-            <a:r>
-              <a:rPr lang="en-US" b="1" dirty="0" err="1">
-                <a:latin typeface="Cambria" panose="02040503050406030204" pitchFamily="18" charset="0"/>
-              </a:rPr>
-              <a:t>ananassae</a:t>
-            </a:r>
-            <a:endParaRPr lang="en-US" b="1" dirty="0">
-              <a:latin typeface="Cambria" panose="02040503050406030204" pitchFamily="18" charset="0"/>
-            </a:endParaRPr>
-          </a:p>
-          <a:p>
-            <a:pPr algn="ctr"/>
-            <a:r>
-              <a:rPr lang="en-US" b="1" dirty="0">
-                <a:latin typeface="Cambria" panose="02040503050406030204" pitchFamily="18" charset="0"/>
-              </a:rPr>
-              <a:t>(HiFi)</a:t>
-            </a:r>
-          </a:p>
-        </p:txBody>
-      </p:sp>
-      <p:sp>
-        <p:nvSpPr>
-          <p:cNvPr id="19" name="TextBox 18">
-            <a:extLst>
-              <a:ext uri="{FF2B5EF4-FFF2-40B4-BE49-F238E27FC236}">
-                <a16:creationId xmlns:a16="http://schemas.microsoft.com/office/drawing/2014/main" id="{4EE6EC74-399E-623E-683D-91D67EC0EC85}"/>
-              </a:ext>
-            </a:extLst>
-          </p:cNvPr>
-          <p:cNvSpPr txBox="1"/>
-          <p:nvPr/>
-        </p:nvSpPr>
-        <p:spPr>
-          <a:xfrm>
-            <a:off x="10328993" y="5579262"/>
-            <a:ext cx="827471" cy="646331"/>
-          </a:xfrm>
-          <a:prstGeom prst="rect">
-            <a:avLst/>
-          </a:prstGeom>
-          <a:noFill/>
-        </p:spPr>
-        <p:txBody>
-          <a:bodyPr wrap="none" rtlCol="0">
-            <a:spAutoFit/>
-          </a:bodyPr>
-          <a:lstStyle/>
-          <a:p>
-            <a:pPr algn="ctr"/>
-            <a:r>
-              <a:rPr lang="en-US" b="1" dirty="0">
-                <a:latin typeface="Cambria" panose="02040503050406030204" pitchFamily="18" charset="0"/>
-              </a:rPr>
-              <a:t>E. coli</a:t>
-            </a:r>
-          </a:p>
-          <a:p>
-            <a:pPr algn="ctr"/>
-            <a:r>
-              <a:rPr lang="en-US" b="1" dirty="0">
-                <a:latin typeface="Cambria" panose="02040503050406030204" pitchFamily="18" charset="0"/>
-              </a:rPr>
-              <a:t>(HiFi)</a:t>
-            </a:r>
-          </a:p>
-        </p:txBody>
-      </p:sp>
-      <p:sp>
-        <p:nvSpPr>
-          <p:cNvPr id="21" name="TextBox 20">
-            <a:extLst>
-              <a:ext uri="{FF2B5EF4-FFF2-40B4-BE49-F238E27FC236}">
-                <a16:creationId xmlns:a16="http://schemas.microsoft.com/office/drawing/2014/main" id="{A02AAFCB-60A4-F003-0CBC-C101F67264CA}"/>
-              </a:ext>
-            </a:extLst>
-          </p:cNvPr>
-          <p:cNvSpPr txBox="1"/>
-          <p:nvPr/>
-        </p:nvSpPr>
-        <p:spPr>
-          <a:xfrm>
-            <a:off x="11791128" y="5579262"/>
-            <a:ext cx="1273105" cy="646331"/>
-          </a:xfrm>
-          <a:prstGeom prst="rect">
-            <a:avLst/>
-          </a:prstGeom>
-          <a:noFill/>
-        </p:spPr>
-        <p:txBody>
-          <a:bodyPr wrap="none" rtlCol="0">
-            <a:spAutoFit/>
-          </a:bodyPr>
-          <a:lstStyle/>
-          <a:p>
-            <a:pPr algn="ctr"/>
-            <a:r>
-              <a:rPr lang="en-US" b="1" dirty="0">
-                <a:latin typeface="Cambria" panose="02040503050406030204" pitchFamily="18" charset="0"/>
-              </a:rPr>
-              <a:t>Yeast</a:t>
-            </a:r>
-          </a:p>
-          <a:p>
-            <a:pPr algn="ctr"/>
-            <a:r>
-              <a:rPr lang="en-US" b="1" dirty="0">
-                <a:latin typeface="Cambria" panose="02040503050406030204" pitchFamily="18" charset="0"/>
-              </a:rPr>
-              <a:t>(Illumina)</a:t>
-            </a:r>
-          </a:p>
-        </p:txBody>
-      </p:sp>
-      <p:sp>
-        <p:nvSpPr>
-          <p:cNvPr id="2" name="TextBox 1">
-            <a:extLst>
-              <a:ext uri="{FF2B5EF4-FFF2-40B4-BE49-F238E27FC236}">
-                <a16:creationId xmlns:a16="http://schemas.microsoft.com/office/drawing/2014/main" id="{C39BC684-84BA-8501-406F-9F805C70C437}"/>
-              </a:ext>
-            </a:extLst>
-          </p:cNvPr>
-          <p:cNvSpPr txBox="1"/>
-          <p:nvPr/>
-        </p:nvSpPr>
-        <p:spPr>
-          <a:xfrm>
-            <a:off x="4528968" y="2549478"/>
-            <a:ext cx="526106" cy="369332"/>
-          </a:xfrm>
-          <a:prstGeom prst="rect">
-            <a:avLst/>
-          </a:prstGeom>
-          <a:noFill/>
-        </p:spPr>
-        <p:txBody>
-          <a:bodyPr wrap="none" rtlCol="0">
-            <a:spAutoFit/>
-          </a:bodyPr>
-          <a:lstStyle/>
-          <a:p>
-            <a:r>
-              <a:rPr lang="en-US" dirty="0">
-                <a:latin typeface="Cambria" panose="02040503050406030204" pitchFamily="18" charset="0"/>
-              </a:rPr>
-              <a:t>10</a:t>
-            </a:r>
-            <a:r>
-              <a:rPr lang="en-US" baseline="30000" dirty="0">
-                <a:latin typeface="Cambria" panose="02040503050406030204" pitchFamily="18" charset="0"/>
-              </a:rPr>
-              <a:t>2</a:t>
-            </a:r>
-          </a:p>
-        </p:txBody>
-      </p:sp>
-      <p:sp>
-        <p:nvSpPr>
-          <p:cNvPr id="3" name="TextBox 2">
-            <a:extLst>
-              <a:ext uri="{FF2B5EF4-FFF2-40B4-BE49-F238E27FC236}">
-                <a16:creationId xmlns:a16="http://schemas.microsoft.com/office/drawing/2014/main" id="{3115975C-972A-2A17-26D6-D16EB79EABEA}"/>
-              </a:ext>
-            </a:extLst>
-          </p:cNvPr>
-          <p:cNvSpPr txBox="1"/>
-          <p:nvPr/>
-        </p:nvSpPr>
-        <p:spPr>
-          <a:xfrm>
-            <a:off x="4528968" y="2134421"/>
-            <a:ext cx="526106" cy="369332"/>
-          </a:xfrm>
-          <a:prstGeom prst="rect">
-            <a:avLst/>
-          </a:prstGeom>
-          <a:noFill/>
-        </p:spPr>
-        <p:txBody>
-          <a:bodyPr wrap="none" rtlCol="0">
-            <a:spAutoFit/>
-          </a:bodyPr>
-          <a:lstStyle/>
-          <a:p>
-            <a:r>
-              <a:rPr lang="en-US" dirty="0">
-                <a:latin typeface="Cambria" panose="02040503050406030204" pitchFamily="18" charset="0"/>
-              </a:rPr>
-              <a:t>10</a:t>
-            </a:r>
-            <a:r>
-              <a:rPr lang="en-US" baseline="30000" dirty="0">
-                <a:latin typeface="Cambria" panose="02040503050406030204" pitchFamily="18" charset="0"/>
-              </a:rPr>
-              <a:t>3</a:t>
-            </a:r>
-          </a:p>
-        </p:txBody>
-      </p:sp>
-      <p:sp>
-        <p:nvSpPr>
-          <p:cNvPr id="5" name="TextBox 4">
-            <a:extLst>
-              <a:ext uri="{FF2B5EF4-FFF2-40B4-BE49-F238E27FC236}">
-                <a16:creationId xmlns:a16="http://schemas.microsoft.com/office/drawing/2014/main" id="{755810D0-CDAF-AF46-D72D-A91FD5A6AABD}"/>
-              </a:ext>
-            </a:extLst>
-          </p:cNvPr>
-          <p:cNvSpPr txBox="1"/>
-          <p:nvPr/>
-        </p:nvSpPr>
-        <p:spPr>
-          <a:xfrm>
-            <a:off x="4528968" y="1719366"/>
-            <a:ext cx="526106" cy="369332"/>
-          </a:xfrm>
-          <a:prstGeom prst="rect">
-            <a:avLst/>
-          </a:prstGeom>
-          <a:noFill/>
-        </p:spPr>
-        <p:txBody>
-          <a:bodyPr wrap="none" rtlCol="0">
-            <a:spAutoFit/>
-          </a:bodyPr>
-          <a:lstStyle/>
-          <a:p>
-            <a:r>
-              <a:rPr lang="en-US" dirty="0">
-                <a:latin typeface="Cambria" panose="02040503050406030204" pitchFamily="18" charset="0"/>
-              </a:rPr>
-              <a:t>10</a:t>
-            </a:r>
-            <a:r>
-              <a:rPr lang="en-US" baseline="30000" dirty="0">
-                <a:latin typeface="Cambria" panose="02040503050406030204" pitchFamily="18" charset="0"/>
-              </a:rPr>
-              <a:t>4</a:t>
-            </a:r>
-          </a:p>
-        </p:txBody>
-      </p:sp>
-      <p:sp>
-        <p:nvSpPr>
-          <p:cNvPr id="12" name="TextBox 11">
-            <a:extLst>
-              <a:ext uri="{FF2B5EF4-FFF2-40B4-BE49-F238E27FC236}">
-                <a16:creationId xmlns:a16="http://schemas.microsoft.com/office/drawing/2014/main" id="{401241CB-3999-5C72-A3A7-1E24EB28ECFD}"/>
-              </a:ext>
-            </a:extLst>
-          </p:cNvPr>
-          <p:cNvSpPr txBox="1"/>
-          <p:nvPr/>
-        </p:nvSpPr>
-        <p:spPr>
-          <a:xfrm>
-            <a:off x="4528968" y="1304311"/>
-            <a:ext cx="526106" cy="369332"/>
-          </a:xfrm>
-          <a:prstGeom prst="rect">
-            <a:avLst/>
-          </a:prstGeom>
-          <a:noFill/>
-        </p:spPr>
-        <p:txBody>
-          <a:bodyPr wrap="none" rtlCol="0">
-            <a:spAutoFit/>
-          </a:bodyPr>
-          <a:lstStyle/>
-          <a:p>
-            <a:r>
-              <a:rPr lang="en-US" dirty="0">
-                <a:latin typeface="Cambria" panose="02040503050406030204" pitchFamily="18" charset="0"/>
-              </a:rPr>
-              <a:t>10</a:t>
-            </a:r>
-            <a:r>
-              <a:rPr lang="en-US" baseline="30000" dirty="0">
-                <a:latin typeface="Cambria" panose="02040503050406030204" pitchFamily="18" charset="0"/>
-              </a:rPr>
-              <a:t>5</a:t>
-            </a:r>
-          </a:p>
-        </p:txBody>
-      </p:sp>
-      <p:sp>
-        <p:nvSpPr>
-          <p:cNvPr id="24" name="TextBox 23">
-            <a:extLst>
-              <a:ext uri="{FF2B5EF4-FFF2-40B4-BE49-F238E27FC236}">
-                <a16:creationId xmlns:a16="http://schemas.microsoft.com/office/drawing/2014/main" id="{FF06F500-4FD9-F1AC-05A1-9228D8926818}"/>
-              </a:ext>
-            </a:extLst>
-          </p:cNvPr>
-          <p:cNvSpPr txBox="1"/>
-          <p:nvPr/>
-        </p:nvSpPr>
-        <p:spPr>
-          <a:xfrm rot="16200000">
-            <a:off x="3508780" y="1575245"/>
-            <a:ext cx="1789272" cy="369332"/>
-          </a:xfrm>
-          <a:prstGeom prst="rect">
-            <a:avLst/>
-          </a:prstGeom>
-          <a:noFill/>
-        </p:spPr>
-        <p:txBody>
-          <a:bodyPr wrap="none" rtlCol="0">
-            <a:spAutoFit/>
-          </a:bodyPr>
-          <a:lstStyle/>
-          <a:p>
-            <a:pPr algn="ctr"/>
-            <a:r>
-              <a:rPr lang="en-US" b="1" dirty="0">
-                <a:latin typeface="Cambria" panose="02040503050406030204" pitchFamily="18" charset="0"/>
-              </a:rPr>
-              <a:t>CPU Time (sec)</a:t>
-            </a:r>
-          </a:p>
-        </p:txBody>
-      </p:sp>
-      <p:sp>
-        <p:nvSpPr>
-          <p:cNvPr id="28" name="TextBox 27">
-            <a:extLst>
-              <a:ext uri="{FF2B5EF4-FFF2-40B4-BE49-F238E27FC236}">
-                <a16:creationId xmlns:a16="http://schemas.microsoft.com/office/drawing/2014/main" id="{6FB8BB6B-97FA-E684-F8D3-F357296C9A4B}"/>
-              </a:ext>
-            </a:extLst>
-          </p:cNvPr>
-          <p:cNvSpPr txBox="1"/>
-          <p:nvPr/>
-        </p:nvSpPr>
-        <p:spPr>
-          <a:xfrm>
-            <a:off x="4528968" y="889256"/>
-            <a:ext cx="526106" cy="369332"/>
-          </a:xfrm>
-          <a:prstGeom prst="rect">
-            <a:avLst/>
-          </a:prstGeom>
-          <a:noFill/>
-        </p:spPr>
-        <p:txBody>
-          <a:bodyPr wrap="none" rtlCol="0">
-            <a:spAutoFit/>
-          </a:bodyPr>
-          <a:lstStyle/>
-          <a:p>
-            <a:r>
-              <a:rPr lang="en-US" dirty="0">
-                <a:latin typeface="Cambria" panose="02040503050406030204" pitchFamily="18" charset="0"/>
-              </a:rPr>
-              <a:t>10</a:t>
-            </a:r>
-            <a:r>
-              <a:rPr lang="en-US" baseline="30000" dirty="0">
-                <a:latin typeface="Cambria" panose="02040503050406030204" pitchFamily="18" charset="0"/>
-              </a:rPr>
-              <a:t>6</a:t>
-            </a:r>
-          </a:p>
-        </p:txBody>
-      </p:sp>
-      <p:sp>
-        <p:nvSpPr>
-          <p:cNvPr id="29" name="TextBox 28">
-            <a:extLst>
-              <a:ext uri="{FF2B5EF4-FFF2-40B4-BE49-F238E27FC236}">
-                <a16:creationId xmlns:a16="http://schemas.microsoft.com/office/drawing/2014/main" id="{2DAEDC87-8B71-13B0-8161-ECE4697DB282}"/>
-              </a:ext>
-            </a:extLst>
-          </p:cNvPr>
-          <p:cNvSpPr txBox="1"/>
-          <p:nvPr/>
-        </p:nvSpPr>
-        <p:spPr>
-          <a:xfrm>
-            <a:off x="4528968" y="474201"/>
-            <a:ext cx="526106" cy="369332"/>
-          </a:xfrm>
-          <a:prstGeom prst="rect">
-            <a:avLst/>
-          </a:prstGeom>
-          <a:noFill/>
-        </p:spPr>
-        <p:txBody>
-          <a:bodyPr wrap="none" rtlCol="0">
-            <a:spAutoFit/>
-          </a:bodyPr>
-          <a:lstStyle/>
-          <a:p>
-            <a:r>
-              <a:rPr lang="en-US" dirty="0">
-                <a:latin typeface="Cambria" panose="02040503050406030204" pitchFamily="18" charset="0"/>
-              </a:rPr>
-              <a:t>10</a:t>
-            </a:r>
-            <a:r>
-              <a:rPr lang="en-US" baseline="30000" dirty="0">
-                <a:latin typeface="Cambria" panose="02040503050406030204" pitchFamily="18" charset="0"/>
-              </a:rPr>
-              <a:t>7</a:t>
-            </a:r>
-          </a:p>
-        </p:txBody>
-      </p:sp>
-      <p:sp>
-        <p:nvSpPr>
-          <p:cNvPr id="30" name="TextBox 29">
-            <a:extLst>
-              <a:ext uri="{FF2B5EF4-FFF2-40B4-BE49-F238E27FC236}">
-                <a16:creationId xmlns:a16="http://schemas.microsoft.com/office/drawing/2014/main" id="{C6A690F1-D990-6241-94F3-1287B8AC1552}"/>
-              </a:ext>
-            </a:extLst>
-          </p:cNvPr>
-          <p:cNvSpPr txBox="1"/>
-          <p:nvPr/>
-        </p:nvSpPr>
-        <p:spPr>
-          <a:xfrm>
-            <a:off x="4528968" y="4847334"/>
-            <a:ext cx="526106" cy="369332"/>
-          </a:xfrm>
-          <a:prstGeom prst="rect">
-            <a:avLst/>
-          </a:prstGeom>
-          <a:noFill/>
-        </p:spPr>
-        <p:txBody>
-          <a:bodyPr wrap="none" rtlCol="0">
-            <a:spAutoFit/>
-          </a:bodyPr>
-          <a:lstStyle/>
-          <a:p>
-            <a:r>
-              <a:rPr lang="en-US" dirty="0">
-                <a:latin typeface="Cambria" panose="02040503050406030204" pitchFamily="18" charset="0"/>
-              </a:rPr>
-              <a:t>10</a:t>
-            </a:r>
-            <a:r>
-              <a:rPr lang="en-US" baseline="30000" dirty="0">
-                <a:latin typeface="Cambria" panose="02040503050406030204" pitchFamily="18" charset="0"/>
-              </a:rPr>
-              <a:t>0</a:t>
-            </a:r>
-          </a:p>
-        </p:txBody>
-      </p:sp>
-      <p:sp>
-        <p:nvSpPr>
-          <p:cNvPr id="31" name="TextBox 30">
-            <a:extLst>
-              <a:ext uri="{FF2B5EF4-FFF2-40B4-BE49-F238E27FC236}">
-                <a16:creationId xmlns:a16="http://schemas.microsoft.com/office/drawing/2014/main" id="{2CEE2ED0-F3FB-CA76-FD0F-739336F21FA3}"/>
-              </a:ext>
-            </a:extLst>
-          </p:cNvPr>
-          <p:cNvSpPr txBox="1"/>
-          <p:nvPr/>
-        </p:nvSpPr>
-        <p:spPr>
-          <a:xfrm>
-            <a:off x="4528968" y="3990389"/>
-            <a:ext cx="526106" cy="369332"/>
-          </a:xfrm>
-          <a:prstGeom prst="rect">
-            <a:avLst/>
-          </a:prstGeom>
-          <a:noFill/>
-        </p:spPr>
-        <p:txBody>
-          <a:bodyPr wrap="none" rtlCol="0">
-            <a:spAutoFit/>
-          </a:bodyPr>
-          <a:lstStyle/>
-          <a:p>
-            <a:r>
-              <a:rPr lang="en-US" dirty="0">
-                <a:latin typeface="Cambria" panose="02040503050406030204" pitchFamily="18" charset="0"/>
-              </a:rPr>
-              <a:t>10</a:t>
-            </a:r>
-            <a:r>
-              <a:rPr lang="en-US" baseline="30000" dirty="0">
-                <a:latin typeface="Cambria" panose="02040503050406030204" pitchFamily="18" charset="0"/>
-              </a:rPr>
-              <a:t>1</a:t>
-            </a:r>
-          </a:p>
-        </p:txBody>
-      </p:sp>
-      <p:sp>
-        <p:nvSpPr>
-          <p:cNvPr id="32" name="TextBox 31">
-            <a:extLst>
-              <a:ext uri="{FF2B5EF4-FFF2-40B4-BE49-F238E27FC236}">
-                <a16:creationId xmlns:a16="http://schemas.microsoft.com/office/drawing/2014/main" id="{5CFCE8B7-94AE-9C54-2AAB-E2CD8ECF85CE}"/>
-              </a:ext>
-            </a:extLst>
-          </p:cNvPr>
-          <p:cNvSpPr txBox="1"/>
-          <p:nvPr/>
-        </p:nvSpPr>
-        <p:spPr>
-          <a:xfrm>
-            <a:off x="4528968" y="3133443"/>
-            <a:ext cx="526106" cy="369332"/>
-          </a:xfrm>
-          <a:prstGeom prst="rect">
-            <a:avLst/>
-          </a:prstGeom>
-          <a:noFill/>
-        </p:spPr>
-        <p:txBody>
-          <a:bodyPr wrap="none" rtlCol="0">
-            <a:spAutoFit/>
-          </a:bodyPr>
-          <a:lstStyle/>
-          <a:p>
-            <a:r>
-              <a:rPr lang="en-US" dirty="0">
-                <a:latin typeface="Cambria" panose="02040503050406030204" pitchFamily="18" charset="0"/>
-              </a:rPr>
-              <a:t>10</a:t>
-            </a:r>
-            <a:r>
-              <a:rPr lang="en-US" baseline="30000" dirty="0">
-                <a:latin typeface="Cambria" panose="02040503050406030204" pitchFamily="18" charset="0"/>
-              </a:rPr>
-              <a:t>2</a:t>
-            </a:r>
-          </a:p>
-        </p:txBody>
-      </p:sp>
-      <p:sp>
-        <p:nvSpPr>
-          <p:cNvPr id="33" name="TextBox 32">
-            <a:extLst>
-              <a:ext uri="{FF2B5EF4-FFF2-40B4-BE49-F238E27FC236}">
-                <a16:creationId xmlns:a16="http://schemas.microsoft.com/office/drawing/2014/main" id="{0FE0A01A-6527-E041-BC1F-7136E52F8208}"/>
-              </a:ext>
-            </a:extLst>
-          </p:cNvPr>
-          <p:cNvSpPr txBox="1"/>
-          <p:nvPr/>
-        </p:nvSpPr>
-        <p:spPr>
-          <a:xfrm rot="16200000">
-            <a:off x="3316099" y="4141742"/>
-            <a:ext cx="2174634" cy="369332"/>
-          </a:xfrm>
-          <a:prstGeom prst="rect">
-            <a:avLst/>
-          </a:prstGeom>
-          <a:noFill/>
-        </p:spPr>
-        <p:txBody>
-          <a:bodyPr wrap="none" rtlCol="0">
-            <a:spAutoFit/>
-          </a:bodyPr>
-          <a:lstStyle/>
-          <a:p>
-            <a:pPr algn="ctr"/>
-            <a:r>
-              <a:rPr lang="en-US" b="1" dirty="0">
-                <a:latin typeface="Cambria" panose="02040503050406030204" pitchFamily="18" charset="0"/>
-              </a:rPr>
-              <a:t>Peak Memory (GB)</a:t>
-            </a:r>
-          </a:p>
-        </p:txBody>
-      </p:sp>
-    </p:spTree>
-    <p:extLst>
-      <p:ext uri="{BB962C8B-B14F-4D97-AF65-F5344CB8AC3E}">
-        <p14:creationId xmlns:p14="http://schemas.microsoft.com/office/powerpoint/2010/main" val="4169475791"/>
-      </p:ext>
-    </p:extLst>
-  </p:cSld>
-  <p:clrMapOvr>
-    <a:masterClrMapping/>
-  </p:clrMapOvr>
-</p:sld>
-</file>
-
 <file path=ppt/theme/theme1.xml><?xml version="1.0" encoding="utf-8"?>
 <a:theme xmlns:a="http://schemas.openxmlformats.org/drawingml/2006/main" name="Office Theme">
   <a:themeElements>
